--- a/PPT_For_Calculator.pptx
+++ b/PPT_For_Calculator.pptx
@@ -14,7 +14,9 @@
     <p:sldId id="262" r:id="rId8"/>
     <p:sldId id="263" r:id="rId9"/>
     <p:sldId id="264" r:id="rId10"/>
-    <p:sldId id="265" r:id="rId11"/>
+    <p:sldId id="267" r:id="rId11"/>
+    <p:sldId id="266" r:id="rId12"/>
+    <p:sldId id="265" r:id="rId13"/>
   </p:sldIdLst>
   <p:sldSz cx="12192000" cy="6858000"/>
   <p:notesSz cx="6858000" cy="9144000"/>
@@ -113,6 +115,11 @@
       </a:defRPr>
     </a:lvl9pPr>
   </p:defaultTextStyle>
+  <p:extLst>
+    <p:ext uri="{EFAFB233-063F-42B5-8137-9DF3F51BA10A}">
+      <p15:sldGuideLst xmlns:p15="http://schemas.microsoft.com/office/powerpoint/2012/main"/>
+    </p:ext>
+  </p:extLst>
 </p:presentation>
 </file>
 
@@ -839,7 +846,7 @@
             <a:fld id="{B61BEF0D-F0BB-DE4B-95CE-6DB70DBA9567}" type="datetimeFigureOut">
               <a:rPr lang="en-US" dirty="0"/>
               <a:pPr/>
-              <a:t>3/2/2024</a:t>
+              <a:t>3/10/2024</a:t>
             </a:fld>
             <a:endParaRPr lang="en-US" dirty="0"/>
           </a:p>
@@ -893,13 +900,13 @@
   <p:clrMapOvr>
     <a:masterClrMapping/>
   </p:clrMapOvr>
-  <mc:AlternateContent xmlns:mc="http://schemas.openxmlformats.org/markup-compatibility/2006">
-    <mc:Choice xmlns:p14="http://schemas.microsoft.com/office/powerpoint/2010/main" Requires="p14">
+  <mc:AlternateContent xmlns:mc="http://schemas.openxmlformats.org/markup-compatibility/2006" xmlns:p14="http://schemas.microsoft.com/office/powerpoint/2010/main">
+    <mc:Choice Requires="p14">
       <p:transition spd="slow" p14:dur="2000">
         <p:randomBar dir="vert"/>
       </p:transition>
     </mc:Choice>
-    <mc:Fallback>
+    <mc:Fallback xmlns="">
       <p:transition spd="slow">
         <p:randomBar dir="vert"/>
       </p:transition>
@@ -1099,7 +1106,7 @@
             <a:fld id="{B61BEF0D-F0BB-DE4B-95CE-6DB70DBA9567}" type="datetimeFigureOut">
               <a:rPr lang="en-US" dirty="0"/>
               <a:pPr/>
-              <a:t>3/2/2024</a:t>
+              <a:t>3/10/2024</a:t>
             </a:fld>
             <a:endParaRPr lang="en-US" dirty="0"/>
           </a:p>
@@ -1153,13 +1160,13 @@
   <p:clrMapOvr>
     <a:masterClrMapping/>
   </p:clrMapOvr>
-  <mc:AlternateContent xmlns:mc="http://schemas.openxmlformats.org/markup-compatibility/2006">
-    <mc:Choice xmlns:p14="http://schemas.microsoft.com/office/powerpoint/2010/main" Requires="p14">
+  <mc:AlternateContent xmlns:mc="http://schemas.openxmlformats.org/markup-compatibility/2006" xmlns:p14="http://schemas.microsoft.com/office/powerpoint/2010/main">
+    <mc:Choice Requires="p14">
       <p:transition spd="slow" p14:dur="2000">
         <p:randomBar dir="vert"/>
       </p:transition>
     </mc:Choice>
-    <mc:Fallback>
+    <mc:Fallback xmlns="">
       <p:transition spd="slow">
         <p:randomBar dir="vert"/>
       </p:transition>
@@ -1422,7 +1429,7 @@
             <a:fld id="{B61BEF0D-F0BB-DE4B-95CE-6DB70DBA9567}" type="datetimeFigureOut">
               <a:rPr lang="en-US" dirty="0"/>
               <a:pPr/>
-              <a:t>3/2/2024</a:t>
+              <a:t>3/10/2024</a:t>
             </a:fld>
             <a:endParaRPr lang="en-US" dirty="0"/>
           </a:p>
@@ -1566,13 +1573,13 @@
   <p:clrMapOvr>
     <a:masterClrMapping/>
   </p:clrMapOvr>
-  <mc:AlternateContent xmlns:mc="http://schemas.openxmlformats.org/markup-compatibility/2006">
-    <mc:Choice xmlns:p14="http://schemas.microsoft.com/office/powerpoint/2010/main" Requires="p14">
+  <mc:AlternateContent xmlns:mc="http://schemas.openxmlformats.org/markup-compatibility/2006" xmlns:p14="http://schemas.microsoft.com/office/powerpoint/2010/main">
+    <mc:Choice Requires="p14">
       <p:transition spd="slow" p14:dur="2000">
         <p:randomBar dir="vert"/>
       </p:transition>
     </mc:Choice>
-    <mc:Fallback>
+    <mc:Fallback xmlns="">
       <p:transition spd="slow">
         <p:randomBar dir="vert"/>
       </p:transition>
@@ -1772,7 +1779,7 @@
             <a:fld id="{B61BEF0D-F0BB-DE4B-95CE-6DB70DBA9567}" type="datetimeFigureOut">
               <a:rPr lang="en-US" dirty="0"/>
               <a:pPr/>
-              <a:t>3/2/2024</a:t>
+              <a:t>3/10/2024</a:t>
             </a:fld>
             <a:endParaRPr lang="en-US" dirty="0"/>
           </a:p>
@@ -1826,13 +1833,13 @@
   <p:clrMapOvr>
     <a:masterClrMapping/>
   </p:clrMapOvr>
-  <mc:AlternateContent xmlns:mc="http://schemas.openxmlformats.org/markup-compatibility/2006">
-    <mc:Choice xmlns:p14="http://schemas.microsoft.com/office/powerpoint/2010/main" Requires="p14">
+  <mc:AlternateContent xmlns:mc="http://schemas.openxmlformats.org/markup-compatibility/2006" xmlns:p14="http://schemas.microsoft.com/office/powerpoint/2010/main">
+    <mc:Choice Requires="p14">
       <p:transition spd="slow" p14:dur="2000">
         <p:randomBar dir="vert"/>
       </p:transition>
     </mc:Choice>
-    <mc:Fallback>
+    <mc:Fallback xmlns="">
       <p:transition spd="slow">
         <p:randomBar dir="vert"/>
       </p:transition>
@@ -2095,7 +2102,7 @@
             <a:fld id="{B61BEF0D-F0BB-DE4B-95CE-6DB70DBA9567}" type="datetimeFigureOut">
               <a:rPr lang="en-US" dirty="0"/>
               <a:pPr/>
-              <a:t>3/2/2024</a:t>
+              <a:t>3/10/2024</a:t>
             </a:fld>
             <a:endParaRPr lang="en-US" dirty="0"/>
           </a:p>
@@ -2231,13 +2238,13 @@
   <p:clrMapOvr>
     <a:masterClrMapping/>
   </p:clrMapOvr>
-  <mc:AlternateContent xmlns:mc="http://schemas.openxmlformats.org/markup-compatibility/2006">
-    <mc:Choice xmlns:p14="http://schemas.microsoft.com/office/powerpoint/2010/main" Requires="p14">
+  <mc:AlternateContent xmlns:mc="http://schemas.openxmlformats.org/markup-compatibility/2006" xmlns:p14="http://schemas.microsoft.com/office/powerpoint/2010/main">
+    <mc:Choice Requires="p14">
       <p:transition spd="slow" p14:dur="2000">
         <p:randomBar dir="vert"/>
       </p:transition>
     </mc:Choice>
-    <mc:Fallback>
+    <mc:Fallback xmlns="">
       <p:transition spd="slow">
         <p:randomBar dir="vert"/>
       </p:transition>
@@ -2497,7 +2504,7 @@
             <a:fld id="{B61BEF0D-F0BB-DE4B-95CE-6DB70DBA9567}" type="datetimeFigureOut">
               <a:rPr lang="en-US" dirty="0"/>
               <a:pPr/>
-              <a:t>3/2/2024</a:t>
+              <a:t>3/10/2024</a:t>
             </a:fld>
             <a:endParaRPr lang="en-US" dirty="0"/>
           </a:p>
@@ -2551,13 +2558,13 @@
   <p:clrMapOvr>
     <a:masterClrMapping/>
   </p:clrMapOvr>
-  <mc:AlternateContent xmlns:mc="http://schemas.openxmlformats.org/markup-compatibility/2006">
-    <mc:Choice xmlns:p14="http://schemas.microsoft.com/office/powerpoint/2010/main" Requires="p14">
+  <mc:AlternateContent xmlns:mc="http://schemas.openxmlformats.org/markup-compatibility/2006" xmlns:p14="http://schemas.microsoft.com/office/powerpoint/2010/main">
+    <mc:Choice Requires="p14">
       <p:transition spd="slow" p14:dur="2000">
         <p:randomBar dir="vert"/>
       </p:transition>
     </mc:Choice>
-    <mc:Fallback>
+    <mc:Fallback xmlns="">
       <p:transition spd="slow">
         <p:randomBar dir="vert"/>
       </p:transition>
@@ -2675,7 +2682,7 @@
           <a:p>
             <a:fld id="{55C6B4A9-1611-4792-9094-5F34BCA07E0B}" type="datetimeFigureOut">
               <a:rPr lang="en-US" dirty="0"/>
-              <a:t>3/2/2024</a:t>
+              <a:t>3/10/2024</a:t>
             </a:fld>
             <a:endParaRPr lang="en-US" dirty="0"/>
           </a:p>
@@ -2728,13 +2735,13 @@
   <p:clrMapOvr>
     <a:masterClrMapping/>
   </p:clrMapOvr>
-  <mc:AlternateContent xmlns:mc="http://schemas.openxmlformats.org/markup-compatibility/2006">
-    <mc:Choice xmlns:p14="http://schemas.microsoft.com/office/powerpoint/2010/main" Requires="p14">
+  <mc:AlternateContent xmlns:mc="http://schemas.openxmlformats.org/markup-compatibility/2006" xmlns:p14="http://schemas.microsoft.com/office/powerpoint/2010/main">
+    <mc:Choice Requires="p14">
       <p:transition spd="slow" p14:dur="2000">
         <p:randomBar dir="vert"/>
       </p:transition>
     </mc:Choice>
-    <mc:Fallback>
+    <mc:Fallback xmlns="">
       <p:transition spd="slow">
         <p:randomBar dir="vert"/>
       </p:transition>
@@ -2863,7 +2870,7 @@
             <a:fld id="{B61BEF0D-F0BB-DE4B-95CE-6DB70DBA9567}" type="datetimeFigureOut">
               <a:rPr lang="en-US" dirty="0"/>
               <a:pPr/>
-              <a:t>3/2/2024</a:t>
+              <a:t>3/10/2024</a:t>
             </a:fld>
             <a:endParaRPr lang="en-US" dirty="0"/>
           </a:p>
@@ -2917,13 +2924,13 @@
   <p:clrMapOvr>
     <a:masterClrMapping/>
   </p:clrMapOvr>
-  <mc:AlternateContent xmlns:mc="http://schemas.openxmlformats.org/markup-compatibility/2006">
-    <mc:Choice xmlns:p14="http://schemas.microsoft.com/office/powerpoint/2010/main" Requires="p14">
+  <mc:AlternateContent xmlns:mc="http://schemas.openxmlformats.org/markup-compatibility/2006" xmlns:p14="http://schemas.microsoft.com/office/powerpoint/2010/main">
+    <mc:Choice Requires="p14">
       <p:transition spd="slow" p14:dur="2000">
         <p:randomBar dir="vert"/>
       </p:transition>
     </mc:Choice>
-    <mc:Fallback>
+    <mc:Fallback xmlns="">
       <p:transition spd="slow">
         <p:randomBar dir="vert"/>
       </p:transition>
@@ -3048,7 +3055,7 @@
             <a:fld id="{B61BEF0D-F0BB-DE4B-95CE-6DB70DBA9567}" type="datetimeFigureOut">
               <a:rPr lang="en-US" dirty="0"/>
               <a:pPr/>
-              <a:t>3/2/2024</a:t>
+              <a:t>3/10/2024</a:t>
             </a:fld>
             <a:endParaRPr lang="en-US" dirty="0"/>
           </a:p>
@@ -3102,13 +3109,13 @@
   <p:clrMapOvr>
     <a:masterClrMapping/>
   </p:clrMapOvr>
-  <mc:AlternateContent xmlns:mc="http://schemas.openxmlformats.org/markup-compatibility/2006">
-    <mc:Choice xmlns:p14="http://schemas.microsoft.com/office/powerpoint/2010/main" Requires="p14">
+  <mc:AlternateContent xmlns:mc="http://schemas.openxmlformats.org/markup-compatibility/2006" xmlns:p14="http://schemas.microsoft.com/office/powerpoint/2010/main">
+    <mc:Choice Requires="p14">
       <p:transition spd="slow" p14:dur="2000">
         <p:randomBar dir="vert"/>
       </p:transition>
     </mc:Choice>
-    <mc:Fallback>
+    <mc:Fallback xmlns="">
       <p:transition spd="slow">
         <p:randomBar dir="vert"/>
       </p:transition>
@@ -3304,7 +3311,7 @@
             <a:fld id="{B61BEF0D-F0BB-DE4B-95CE-6DB70DBA9567}" type="datetimeFigureOut">
               <a:rPr lang="en-US" dirty="0"/>
               <a:pPr/>
-              <a:t>3/2/2024</a:t>
+              <a:t>3/10/2024</a:t>
             </a:fld>
             <a:endParaRPr lang="en-US" dirty="0"/>
           </a:p>
@@ -3358,13 +3365,13 @@
   <p:clrMapOvr>
     <a:masterClrMapping/>
   </p:clrMapOvr>
-  <mc:AlternateContent xmlns:mc="http://schemas.openxmlformats.org/markup-compatibility/2006">
-    <mc:Choice xmlns:p14="http://schemas.microsoft.com/office/powerpoint/2010/main" Requires="p14">
+  <mc:AlternateContent xmlns:mc="http://schemas.openxmlformats.org/markup-compatibility/2006" xmlns:p14="http://schemas.microsoft.com/office/powerpoint/2010/main">
+    <mc:Choice Requires="p14">
       <p:transition spd="slow" p14:dur="2000">
         <p:randomBar dir="vert"/>
       </p:transition>
     </mc:Choice>
-    <mc:Fallback>
+    <mc:Fallback xmlns="">
       <p:transition spd="slow">
         <p:randomBar dir="vert"/>
       </p:transition>
@@ -3544,7 +3551,7 @@
           <a:p>
             <a:fld id="{EB712588-04B1-427B-82EE-E8DB90309F08}" type="datetimeFigureOut">
               <a:rPr lang="en-US" dirty="0"/>
-              <a:t>3/2/2024</a:t>
+              <a:t>3/10/2024</a:t>
             </a:fld>
             <a:endParaRPr lang="en-US" dirty="0"/>
           </a:p>
@@ -3597,13 +3604,13 @@
   <p:clrMapOvr>
     <a:masterClrMapping/>
   </p:clrMapOvr>
-  <mc:AlternateContent xmlns:mc="http://schemas.openxmlformats.org/markup-compatibility/2006">
-    <mc:Choice xmlns:p14="http://schemas.microsoft.com/office/powerpoint/2010/main" Requires="p14">
+  <mc:AlternateContent xmlns:mc="http://schemas.openxmlformats.org/markup-compatibility/2006" xmlns:p14="http://schemas.microsoft.com/office/powerpoint/2010/main">
+    <mc:Choice Requires="p14">
       <p:transition spd="slow" p14:dur="2000">
         <p:randomBar dir="vert"/>
       </p:transition>
     </mc:Choice>
-    <mc:Fallback>
+    <mc:Fallback xmlns="">
       <p:transition spd="slow">
         <p:randomBar dir="vert"/>
       </p:transition>
@@ -3926,7 +3933,7 @@
             <a:fld id="{B61BEF0D-F0BB-DE4B-95CE-6DB70DBA9567}" type="datetimeFigureOut">
               <a:rPr lang="en-US" dirty="0"/>
               <a:pPr/>
-              <a:t>3/2/2024</a:t>
+              <a:t>3/10/2024</a:t>
             </a:fld>
             <a:endParaRPr lang="en-US" dirty="0"/>
           </a:p>
@@ -3980,13 +3987,13 @@
   <p:clrMapOvr>
     <a:masterClrMapping/>
   </p:clrMapOvr>
-  <mc:AlternateContent xmlns:mc="http://schemas.openxmlformats.org/markup-compatibility/2006">
-    <mc:Choice xmlns:p14="http://schemas.microsoft.com/office/powerpoint/2010/main" Requires="p14">
+  <mc:AlternateContent xmlns:mc="http://schemas.openxmlformats.org/markup-compatibility/2006" xmlns:p14="http://schemas.microsoft.com/office/powerpoint/2010/main">
+    <mc:Choice Requires="p14">
       <p:transition spd="slow" p14:dur="2000">
         <p:randomBar dir="vert"/>
       </p:transition>
     </mc:Choice>
-    <mc:Fallback>
+    <mc:Fallback xmlns="">
       <p:transition spd="slow">
         <p:randomBar dir="vert"/>
       </p:transition>
@@ -4058,7 +4065,7 @@
             <a:fld id="{B61BEF0D-F0BB-DE4B-95CE-6DB70DBA9567}" type="datetimeFigureOut">
               <a:rPr lang="en-US" dirty="0"/>
               <a:pPr/>
-              <a:t>3/2/2024</a:t>
+              <a:t>3/10/2024</a:t>
             </a:fld>
             <a:endParaRPr lang="en-US" dirty="0"/>
           </a:p>
@@ -4112,13 +4119,13 @@
   <p:clrMapOvr>
     <a:masterClrMapping/>
   </p:clrMapOvr>
-  <mc:AlternateContent xmlns:mc="http://schemas.openxmlformats.org/markup-compatibility/2006">
-    <mc:Choice xmlns:p14="http://schemas.microsoft.com/office/powerpoint/2010/main" Requires="p14">
+  <mc:AlternateContent xmlns:mc="http://schemas.openxmlformats.org/markup-compatibility/2006" xmlns:p14="http://schemas.microsoft.com/office/powerpoint/2010/main">
+    <mc:Choice Requires="p14">
       <p:transition spd="slow" p14:dur="2000">
         <p:randomBar dir="vert"/>
       </p:transition>
     </mc:Choice>
-    <mc:Fallback>
+    <mc:Fallback xmlns="">
       <p:transition spd="slow">
         <p:randomBar dir="vert"/>
       </p:transition>
@@ -4162,7 +4169,7 @@
             <a:fld id="{B61BEF0D-F0BB-DE4B-95CE-6DB70DBA9567}" type="datetimeFigureOut">
               <a:rPr lang="en-US" dirty="0"/>
               <a:pPr/>
-              <a:t>3/2/2024</a:t>
+              <a:t>3/10/2024</a:t>
             </a:fld>
             <a:endParaRPr lang="en-US" dirty="0"/>
           </a:p>
@@ -4216,13 +4223,13 @@
   <p:clrMapOvr>
     <a:masterClrMapping/>
   </p:clrMapOvr>
-  <mc:AlternateContent xmlns:mc="http://schemas.openxmlformats.org/markup-compatibility/2006">
-    <mc:Choice xmlns:p14="http://schemas.microsoft.com/office/powerpoint/2010/main" Requires="p14">
+  <mc:AlternateContent xmlns:mc="http://schemas.openxmlformats.org/markup-compatibility/2006" xmlns:p14="http://schemas.microsoft.com/office/powerpoint/2010/main">
+    <mc:Choice Requires="p14">
       <p:transition spd="slow" p14:dur="2000">
         <p:randomBar dir="vert"/>
       </p:transition>
     </mc:Choice>
-    <mc:Fallback>
+    <mc:Fallback xmlns="">
       <p:transition spd="slow">
         <p:randomBar dir="vert"/>
       </p:transition>
@@ -4425,7 +4432,7 @@
           <a:p>
             <a:fld id="{42A54C80-263E-416B-A8E0-580EDEADCBDC}" type="datetimeFigureOut">
               <a:rPr lang="en-US" dirty="0"/>
-              <a:t>3/2/2024</a:t>
+              <a:t>3/10/2024</a:t>
             </a:fld>
             <a:endParaRPr lang="en-US" dirty="0"/>
           </a:p>
@@ -4478,13 +4485,13 @@
   <p:clrMapOvr>
     <a:masterClrMapping/>
   </p:clrMapOvr>
-  <mc:AlternateContent xmlns:mc="http://schemas.openxmlformats.org/markup-compatibility/2006">
-    <mc:Choice xmlns:p14="http://schemas.microsoft.com/office/powerpoint/2010/main" Requires="p14">
+  <mc:AlternateContent xmlns:mc="http://schemas.openxmlformats.org/markup-compatibility/2006" xmlns:p14="http://schemas.microsoft.com/office/powerpoint/2010/main">
+    <mc:Choice Requires="p14">
       <p:transition spd="slow" p14:dur="2000">
         <p:randomBar dir="vert"/>
       </p:transition>
     </mc:Choice>
-    <mc:Fallback>
+    <mc:Fallback xmlns="">
       <p:transition spd="slow">
         <p:randomBar dir="vert"/>
       </p:transition>
@@ -4696,7 +4703,7 @@
             <a:fld id="{B61BEF0D-F0BB-DE4B-95CE-6DB70DBA9567}" type="datetimeFigureOut">
               <a:rPr lang="en-US" dirty="0"/>
               <a:pPr/>
-              <a:t>3/2/2024</a:t>
+              <a:t>3/10/2024</a:t>
             </a:fld>
             <a:endParaRPr lang="en-US" dirty="0"/>
           </a:p>
@@ -4750,13 +4757,13 @@
   <p:clrMapOvr>
     <a:masterClrMapping/>
   </p:clrMapOvr>
-  <mc:AlternateContent xmlns:mc="http://schemas.openxmlformats.org/markup-compatibility/2006">
-    <mc:Choice xmlns:p14="http://schemas.microsoft.com/office/powerpoint/2010/main" Requires="p14">
+  <mc:AlternateContent xmlns:mc="http://schemas.openxmlformats.org/markup-compatibility/2006" xmlns:p14="http://schemas.microsoft.com/office/powerpoint/2010/main">
+    <mc:Choice Requires="p14">
       <p:transition spd="slow" p14:dur="2000">
         <p:randomBar dir="vert"/>
       </p:transition>
     </mc:Choice>
-    <mc:Fallback>
+    <mc:Fallback xmlns="">
       <p:transition spd="slow">
         <p:randomBar dir="vert"/>
       </p:transition>
@@ -5448,7 +5455,7 @@
             <a:fld id="{B61BEF0D-F0BB-DE4B-95CE-6DB70DBA9567}" type="datetimeFigureOut">
               <a:rPr lang="en-US" dirty="0"/>
               <a:pPr/>
-              <a:t>3/2/2024</a:t>
+              <a:t>3/10/2024</a:t>
             </a:fld>
             <a:endParaRPr lang="en-US" dirty="0"/>
           </a:p>
@@ -5552,13 +5559,13 @@
     <p:sldLayoutId id="2147483667" r:id="rId15"/>
     <p:sldLayoutId id="2147483659" r:id="rId16"/>
   </p:sldLayoutIdLst>
-  <mc:AlternateContent xmlns:mc="http://schemas.openxmlformats.org/markup-compatibility/2006">
-    <mc:Choice xmlns:p14="http://schemas.microsoft.com/office/powerpoint/2010/main" Requires="p14">
+  <mc:AlternateContent xmlns:mc="http://schemas.openxmlformats.org/markup-compatibility/2006" xmlns:p14="http://schemas.microsoft.com/office/powerpoint/2010/main">
+    <mc:Choice Requires="p14">
       <p:transition spd="slow" p14:dur="2000">
         <p:randomBar dir="vert"/>
       </p:transition>
     </mc:Choice>
-    <mc:Fallback>
+    <mc:Fallback xmlns="">
       <p:transition spd="slow">
         <p:randomBar dir="vert"/>
       </p:transition>
@@ -6100,13 +6107,13 @@
   <p:clrMapOvr>
     <a:masterClrMapping/>
   </p:clrMapOvr>
-  <mc:AlternateContent xmlns:mc="http://schemas.openxmlformats.org/markup-compatibility/2006">
-    <mc:Choice xmlns:p14="http://schemas.microsoft.com/office/powerpoint/2010/main" Requires="p14">
+  <mc:AlternateContent xmlns:mc="http://schemas.openxmlformats.org/markup-compatibility/2006" xmlns:p14="http://schemas.microsoft.com/office/powerpoint/2010/main">
+    <mc:Choice Requires="p14">
       <p:transition spd="slow" p14:dur="2000">
         <p:blinds dir="vert"/>
       </p:transition>
     </mc:Choice>
-    <mc:Fallback>
+    <mc:Fallback xmlns="">
       <p:transition spd="slow">
         <p:blinds dir="vert"/>
       </p:transition>
@@ -6156,6 +6163,194 @@
           <a:p>
             <a:r>
               <a:rPr lang="en-US" dirty="0" smtClean="0"/>
+              <a:t>A canvas project of an INDIAN FLAG</a:t>
+            </a:r>
+            <a:endParaRPr lang="en-US" dirty="0"/>
+          </a:p>
+        </p:txBody>
+      </p:sp>
+      <p:pic>
+        <p:nvPicPr>
+          <p:cNvPr id="4" name="Content Placeholder 3"/>
+          <p:cNvPicPr>
+            <a:picLocks noGrp="1" noChangeAspect="1"/>
+          </p:cNvPicPr>
+          <p:nvPr>
+            <p:ph idx="1"/>
+          </p:nvPr>
+        </p:nvPicPr>
+        <p:blipFill>
+          <a:blip r:embed="rId2">
+            <a:extLst>
+              <a:ext uri="{28A0092B-C50C-407E-A947-70E740481C1C}">
+                <a14:useLocalDpi xmlns:a14="http://schemas.microsoft.com/office/drawing/2010/main" val="0"/>
+              </a:ext>
+            </a:extLst>
+          </a:blip>
+          <a:stretch>
+            <a:fillRect/>
+          </a:stretch>
+        </p:blipFill>
+        <p:spPr>
+          <a:xfrm>
+            <a:off x="1525502" y="2160588"/>
+            <a:ext cx="6900332" cy="3881437"/>
+          </a:xfrm>
+        </p:spPr>
+      </p:pic>
+    </p:spTree>
+    <p:extLst>
+      <p:ext uri="{BB962C8B-B14F-4D97-AF65-F5344CB8AC3E}">
+        <p14:creationId xmlns:p14="http://schemas.microsoft.com/office/powerpoint/2010/main" val="514897456"/>
+      </p:ext>
+    </p:extLst>
+  </p:cSld>
+  <p:clrMapOvr>
+    <a:masterClrMapping/>
+  </p:clrMapOvr>
+  <mc:AlternateContent xmlns:mc="http://schemas.openxmlformats.org/markup-compatibility/2006" xmlns:p14="http://schemas.microsoft.com/office/powerpoint/2010/main">
+    <mc:Choice Requires="p14">
+      <p:transition spd="slow" p14:dur="2000">
+        <p:randomBar dir="vert"/>
+      </p:transition>
+    </mc:Choice>
+    <mc:Fallback xmlns="">
+      <p:transition spd="slow">
+        <p:randomBar dir="vert"/>
+      </p:transition>
+    </mc:Fallback>
+  </mc:AlternateContent>
+</p:sld>
+</file>
+
+<file path=ppt/slides/slide11.xml><?xml version="1.0" encoding="utf-8"?>
+<p:sld xmlns:a="http://schemas.openxmlformats.org/drawingml/2006/main" xmlns:r="http://schemas.openxmlformats.org/officeDocument/2006/relationships" xmlns:p="http://schemas.openxmlformats.org/presentationml/2006/main">
+  <p:cSld>
+    <p:spTree>
+      <p:nvGrpSpPr>
+        <p:cNvPr id="1" name=""/>
+        <p:cNvGrpSpPr/>
+        <p:nvPr/>
+      </p:nvGrpSpPr>
+      <p:grpSpPr>
+        <a:xfrm>
+          <a:off x="0" y="0"/>
+          <a:ext cx="0" cy="0"/>
+          <a:chOff x="0" y="0"/>
+          <a:chExt cx="0" cy="0"/>
+        </a:xfrm>
+      </p:grpSpPr>
+      <p:sp>
+        <p:nvSpPr>
+          <p:cNvPr id="2" name="Title 1"/>
+          <p:cNvSpPr>
+            <a:spLocks noGrp="1"/>
+          </p:cNvSpPr>
+          <p:nvPr>
+            <p:ph type="title"/>
+          </p:nvPr>
+        </p:nvSpPr>
+        <p:spPr/>
+        <p:txBody>
+          <a:bodyPr/>
+          <a:lstStyle/>
+          <a:p>
+            <a:r>
+              <a:rPr lang="en-US" dirty="0" smtClean="0"/>
+              <a:t>OUT PUT for the canvas program</a:t>
+            </a:r>
+            <a:endParaRPr lang="en-US" dirty="0"/>
+          </a:p>
+        </p:txBody>
+      </p:sp>
+      <p:pic>
+        <p:nvPicPr>
+          <p:cNvPr id="4" name="Content Placeholder 3"/>
+          <p:cNvPicPr>
+            <a:picLocks noGrp="1" noChangeAspect="1"/>
+          </p:cNvPicPr>
+          <p:nvPr>
+            <p:ph idx="1"/>
+          </p:nvPr>
+        </p:nvPicPr>
+        <p:blipFill>
+          <a:blip r:embed="rId2">
+            <a:extLst>
+              <a:ext uri="{28A0092B-C50C-407E-A947-70E740481C1C}">
+                <a14:useLocalDpi xmlns:a14="http://schemas.microsoft.com/office/drawing/2010/main" val="0"/>
+              </a:ext>
+            </a:extLst>
+          </a:blip>
+          <a:stretch>
+            <a:fillRect/>
+          </a:stretch>
+        </p:blipFill>
+        <p:spPr>
+          <a:xfrm>
+            <a:off x="2342378" y="1270000"/>
+            <a:ext cx="5055118" cy="5337302"/>
+          </a:xfrm>
+        </p:spPr>
+      </p:pic>
+    </p:spTree>
+    <p:extLst>
+      <p:ext uri="{BB962C8B-B14F-4D97-AF65-F5344CB8AC3E}">
+        <p14:creationId xmlns:p14="http://schemas.microsoft.com/office/powerpoint/2010/main" val="3798535019"/>
+      </p:ext>
+    </p:extLst>
+  </p:cSld>
+  <p:clrMapOvr>
+    <a:masterClrMapping/>
+  </p:clrMapOvr>
+  <mc:AlternateContent xmlns:mc="http://schemas.openxmlformats.org/markup-compatibility/2006" xmlns:p14="http://schemas.microsoft.com/office/powerpoint/2010/main">
+    <mc:Choice Requires="p14">
+      <p:transition spd="slow" p14:dur="2000">
+        <p:randomBar dir="vert"/>
+      </p:transition>
+    </mc:Choice>
+    <mc:Fallback xmlns="">
+      <p:transition spd="slow">
+        <p:randomBar dir="vert"/>
+      </p:transition>
+    </mc:Fallback>
+  </mc:AlternateContent>
+</p:sld>
+</file>
+
+<file path=ppt/slides/slide12.xml><?xml version="1.0" encoding="utf-8"?>
+<p:sld xmlns:a="http://schemas.openxmlformats.org/drawingml/2006/main" xmlns:r="http://schemas.openxmlformats.org/officeDocument/2006/relationships" xmlns:p="http://schemas.openxmlformats.org/presentationml/2006/main">
+  <p:cSld>
+    <p:spTree>
+      <p:nvGrpSpPr>
+        <p:cNvPr id="1" name=""/>
+        <p:cNvGrpSpPr/>
+        <p:nvPr/>
+      </p:nvGrpSpPr>
+      <p:grpSpPr>
+        <a:xfrm>
+          <a:off x="0" y="0"/>
+          <a:ext cx="0" cy="0"/>
+          <a:chOff x="0" y="0"/>
+          <a:chExt cx="0" cy="0"/>
+        </a:xfrm>
+      </p:grpSpPr>
+      <p:sp>
+        <p:nvSpPr>
+          <p:cNvPr id="2" name="Title 1"/>
+          <p:cNvSpPr>
+            <a:spLocks noGrp="1"/>
+          </p:cNvSpPr>
+          <p:nvPr>
+            <p:ph type="title"/>
+          </p:nvPr>
+        </p:nvSpPr>
+        <p:spPr/>
+        <p:txBody>
+          <a:bodyPr/>
+          <a:lstStyle/>
+          <a:p>
+            <a:r>
+              <a:rPr lang="en-US" dirty="0" smtClean="0"/>
               <a:t/>
             </a:r>
             <a:br>
@@ -6271,13 +6466,13 @@
   <p:clrMapOvr>
     <a:masterClrMapping/>
   </p:clrMapOvr>
-  <mc:AlternateContent xmlns:mc="http://schemas.openxmlformats.org/markup-compatibility/2006">
-    <mc:Choice xmlns:p15="http://schemas.microsoft.com/office/powerpoint/2012/main" Requires="p15">
+  <mc:AlternateContent xmlns:mc="http://schemas.openxmlformats.org/markup-compatibility/2006" xmlns:p15="http://schemas.microsoft.com/office/powerpoint/2012/main">
+    <mc:Choice Requires="p15">
       <p:transition xmlns:p14="http://schemas.microsoft.com/office/powerpoint/2010/main" spd="slow" p14:dur="3250">
         <p15:prstTrans prst="origami"/>
       </p:transition>
     </mc:Choice>
-    <mc:Fallback>
+    <mc:Fallback xmlns="">
       <p:transition spd="slow">
         <p:fade/>
       </p:transition>
@@ -6512,13 +6707,13 @@
   <p:clrMapOvr>
     <a:masterClrMapping/>
   </p:clrMapOvr>
-  <mc:AlternateContent xmlns:mc="http://schemas.openxmlformats.org/markup-compatibility/2006">
-    <mc:Choice xmlns:p15="http://schemas.microsoft.com/office/powerpoint/2012/main" Requires="p15">
+  <mc:AlternateContent xmlns:mc="http://schemas.openxmlformats.org/markup-compatibility/2006" xmlns:p15="http://schemas.microsoft.com/office/powerpoint/2012/main">
+    <mc:Choice Requires="p15">
       <p:transition xmlns:p14="http://schemas.microsoft.com/office/powerpoint/2010/main" spd="slow" p14:dur="3000">
         <p15:prstTrans prst="fallOver"/>
       </p:transition>
     </mc:Choice>
-    <mc:Fallback>
+    <mc:Fallback xmlns="">
       <p:transition spd="slow">
         <p:fade/>
       </p:transition>
@@ -6623,6 +6818,22 @@
               <a:rPr lang="en-US" dirty="0" smtClean="0"/>
               <a:t> library </a:t>
             </a:r>
+            <a:endParaRPr lang="en-US" dirty="0" smtClean="0"/>
+          </a:p>
+          <a:p>
+            <a:r>
+              <a:rPr lang="en-US" dirty="0" smtClean="0"/>
+              <a:t>It can perform basic mathematical operations such as </a:t>
+            </a:r>
+            <a:r>
+              <a:rPr lang="en-US" dirty="0" err="1" smtClean="0"/>
+              <a:t>addition,subtraction,multiplication,dividion</a:t>
+            </a:r>
+            <a:r>
+              <a:rPr lang="en-US" dirty="0" smtClean="0"/>
+              <a:t>.</a:t>
+            </a:r>
+            <a:endParaRPr lang="en-US" dirty="0" smtClean="0"/>
           </a:p>
           <a:p>
             <a:endParaRPr lang="en-US" dirty="0"/>
@@ -6666,13 +6877,13 @@
   <p:clrMapOvr>
     <a:masterClrMapping/>
   </p:clrMapOvr>
-  <mc:AlternateContent xmlns:mc="http://schemas.openxmlformats.org/markup-compatibility/2006">
-    <mc:Choice xmlns:p14="http://schemas.microsoft.com/office/powerpoint/2010/main" Requires="p14">
+  <mc:AlternateContent xmlns:mc="http://schemas.openxmlformats.org/markup-compatibility/2006" xmlns:p14="http://schemas.microsoft.com/office/powerpoint/2010/main">
+    <mc:Choice Requires="p14">
       <p:transition spd="slow" p14:dur="3000">
         <p14:flash/>
       </p:transition>
     </mc:Choice>
-    <mc:Fallback>
+    <mc:Fallback xmlns="">
       <p:transition spd="slow">
         <p:fade/>
       </p:transition>
@@ -6771,13 +6982,13 @@
   <p:clrMapOvr>
     <a:masterClrMapping/>
   </p:clrMapOvr>
-  <mc:AlternateContent xmlns:mc="http://schemas.openxmlformats.org/markup-compatibility/2006">
-    <mc:Choice xmlns:p14="http://schemas.microsoft.com/office/powerpoint/2010/main" Requires="p14">
+  <mc:AlternateContent xmlns:mc="http://schemas.openxmlformats.org/markup-compatibility/2006" xmlns:p14="http://schemas.microsoft.com/office/powerpoint/2010/main">
+    <mc:Choice Requires="p14">
       <p:transition spd="slow" p14:dur="2000">
         <p:comb/>
       </p:transition>
     </mc:Choice>
-    <mc:Fallback>
+    <mc:Fallback xmlns="">
       <p:transition spd="slow">
         <p:comb/>
       </p:transition>
@@ -6868,13 +7079,13 @@
   <p:clrMapOvr>
     <a:masterClrMapping/>
   </p:clrMapOvr>
-  <mc:AlternateContent xmlns:mc="http://schemas.openxmlformats.org/markup-compatibility/2006">
-    <mc:Choice xmlns:p15="http://schemas.microsoft.com/office/powerpoint/2012/main" Requires="p15">
+  <mc:AlternateContent xmlns:mc="http://schemas.openxmlformats.org/markup-compatibility/2006" xmlns:p15="http://schemas.microsoft.com/office/powerpoint/2012/main">
+    <mc:Choice Requires="p15">
       <p:transition xmlns:p14="http://schemas.microsoft.com/office/powerpoint/2010/main" spd="slow" p14:dur="3000">
         <p15:prstTrans prst="curtains"/>
       </p:transition>
     </mc:Choice>
-    <mc:Fallback>
+    <mc:Fallback xmlns="">
       <p:transition spd="slow">
         <p:fade/>
       </p:transition>
@@ -6965,13 +7176,13 @@
   <p:clrMapOvr>
     <a:masterClrMapping/>
   </p:clrMapOvr>
-  <mc:AlternateContent xmlns:mc="http://schemas.openxmlformats.org/markup-compatibility/2006">
-    <mc:Choice xmlns:p15="http://schemas.microsoft.com/office/powerpoint/2012/main" Requires="p15">
+  <mc:AlternateContent xmlns:mc="http://schemas.openxmlformats.org/markup-compatibility/2006" xmlns:p15="http://schemas.microsoft.com/office/powerpoint/2012/main">
+    <mc:Choice Requires="p15">
       <p:transition xmlns:p14="http://schemas.microsoft.com/office/powerpoint/2010/main" spd="slow" p14:dur="3000">
         <p15:prstTrans prst="curtains"/>
       </p:transition>
     </mc:Choice>
-    <mc:Fallback>
+    <mc:Fallback xmlns="">
       <p:transition spd="slow">
         <p:fade/>
       </p:transition>
@@ -7062,13 +7273,13 @@
   <p:clrMapOvr>
     <a:masterClrMapping/>
   </p:clrMapOvr>
-  <mc:AlternateContent xmlns:mc="http://schemas.openxmlformats.org/markup-compatibility/2006">
-    <mc:Choice xmlns:p15="http://schemas.microsoft.com/office/powerpoint/2012/main" Requires="p15">
+  <mc:AlternateContent xmlns:mc="http://schemas.openxmlformats.org/markup-compatibility/2006" xmlns:p15="http://schemas.microsoft.com/office/powerpoint/2012/main">
+    <mc:Choice Requires="p15">
       <p:transition xmlns:p14="http://schemas.microsoft.com/office/powerpoint/2010/main" spd="slow" p14:dur="2750">
         <p15:prstTrans prst="curtains"/>
       </p:transition>
     </mc:Choice>
-    <mc:Fallback>
+    <mc:Fallback xmlns="">
       <p:transition spd="slow">
         <p:fade/>
       </p:transition>
@@ -7159,13 +7370,13 @@
   <p:clrMapOvr>
     <a:masterClrMapping/>
   </p:clrMapOvr>
-  <mc:AlternateContent xmlns:mc="http://schemas.openxmlformats.org/markup-compatibility/2006">
-    <mc:Choice xmlns:p15="http://schemas.microsoft.com/office/powerpoint/2012/main" Requires="p15">
+  <mc:AlternateContent xmlns:mc="http://schemas.openxmlformats.org/markup-compatibility/2006" xmlns:p15="http://schemas.microsoft.com/office/powerpoint/2012/main">
+    <mc:Choice Requires="p15">
       <p:transition xmlns:p14="http://schemas.microsoft.com/office/powerpoint/2010/main" spd="slow" p14:dur="3000">
         <p15:prstTrans prst="curtains"/>
       </p:transition>
     </mc:Choice>
-    <mc:Fallback>
+    <mc:Fallback xmlns="">
       <p:transition spd="slow">
         <p:fade/>
       </p:transition>
@@ -7256,13 +7467,13 @@
   <p:clrMapOvr>
     <a:masterClrMapping/>
   </p:clrMapOvr>
-  <mc:AlternateContent xmlns:mc="http://schemas.openxmlformats.org/markup-compatibility/2006">
-    <mc:Choice xmlns:p15="http://schemas.microsoft.com/office/powerpoint/2012/main" Requires="p15">
+  <mc:AlternateContent xmlns:mc="http://schemas.openxmlformats.org/markup-compatibility/2006" xmlns:p15="http://schemas.microsoft.com/office/powerpoint/2012/main">
+    <mc:Choice Requires="p15">
       <p:transition xmlns:p14="http://schemas.microsoft.com/office/powerpoint/2010/main" spd="slow" p14:dur="6000">
         <p15:prstTrans prst="curtains"/>
       </p:transition>
     </mc:Choice>
-    <mc:Fallback>
+    <mc:Fallback xmlns="">
       <p:transition spd="slow">
         <p:fade/>
       </p:transition>
